--- a/Outcome_Analysis/Paper/Figures.pptx
+++ b/Outcome_Analysis/Paper/Figures.pptx
@@ -3210,7 +3210,7 @@
         </p:blipFill>
         <p:spPr>
           <a:xfrm>
-            <a:off x="8481704" y="1994671"/>
+            <a:off x="8493008" y="1987527"/>
             <a:ext cx="1181100" cy="3524250"/>
           </a:xfrm>
           <a:prstGeom prst="rect">
@@ -3360,7 +3360,7 @@
         </p:blipFill>
         <p:spPr>
           <a:xfrm>
-            <a:off x="5967412" y="1975621"/>
+            <a:off x="6091291" y="1982765"/>
             <a:ext cx="1171575" cy="3533775"/>
           </a:xfrm>
           <a:prstGeom prst="rect">
@@ -3384,7 +3384,7 @@
         </p:blipFill>
         <p:spPr>
           <a:xfrm>
-            <a:off x="7262866" y="1975621"/>
+            <a:off x="7287387" y="1978002"/>
             <a:ext cx="1181100" cy="3543300"/>
           </a:xfrm>
           <a:prstGeom prst="rect">
@@ -3438,7 +3438,7 @@
         </p:blipFill>
         <p:spPr>
           <a:xfrm>
-            <a:off x="9700543" y="1975621"/>
+            <a:off x="9698630" y="1982765"/>
             <a:ext cx="1190625" cy="3533775"/>
           </a:xfrm>
           <a:prstGeom prst="rect">
